--- a/Archive/Status Reports/SharkToothSoftware Status Report 02-29-2024.pptx
+++ b/Archive/Status Reports/SharkToothSoftware Status Report 02-29-2024.pptx
@@ -137,10 +137,10 @@
 <file path=ppt/revisionInfo.xml><?xml version="1.0" encoding="utf-8"?>
 <p1510:revInfo xmlns:a="http://schemas.openxmlformats.org/drawingml/2006/main" xmlns:r="http://schemas.openxmlformats.org/officeDocument/2006/relationships" xmlns:p1510="http://schemas.microsoft.com/office/powerpoint/2015/10/main">
   <p1510:revLst>
-    <p1510:client id="{0C428C13-5E1C-41FD-BF6E-A9FE1999AD9E}" v="640" dt="2024-03-01T04:23:40.651"/>
+    <p1510:client id="{0C428C13-5E1C-41FD-BF6E-A9FE1999AD9E}" v="647" dt="2024-03-01T04:27:31.723"/>
     <p1510:client id="{3537FA97-C4CD-A0F8-85A1-CF64204DFB88}" v="110" dt="2024-03-01T03:55:39.180"/>
     <p1510:client id="{3F650F9B-A2F7-5945-1DA6-574F032966DE}" v="126" dt="2024-03-01T04:16:33.332"/>
-    <p1510:client id="{892DBD82-4579-BE86-A959-2AFFCC02D42A}" v="81" dt="2024-03-01T03:32:30.330"/>
+    <p1510:client id="{892DBD82-4579-BE86-A959-2AFFCC02D42A}" v="121" dt="2024-03-01T04:27:01.847"/>
     <p1510:client id="{A1D0F8B9-47B3-F6EB-81F0-48459006A65D}" v="92" dt="2024-03-01T03:35:05.531"/>
   </p1510:revLst>
 </p1510:revInfo>
@@ -3858,7 +3858,7 @@
           <a:p>
             <a:pPr algn="l"/>
             <a:r>
-              <a:rPr lang="en-US" sz="5400" dirty="0"/>
+              <a:rPr lang="en-US" sz="5400"/>
               <a:t>STATUS REPORT</a:t>
             </a:r>
           </a:p>
@@ -3894,45 +3894,45 @@
           <a:p>
             <a:pPr algn="l"/>
             <a:r>
-              <a:rPr lang="en-US" sz="1900" dirty="0"/>
+              <a:rPr lang="en-US" sz="1900"/>
               <a:t>Team Name: </a:t>
             </a:r>
             <a:r>
-              <a:rPr lang="en-US" sz="1900" dirty="0" err="1"/>
+              <a:rPr lang="en-US" sz="1900" err="1"/>
               <a:t>Sharktooth</a:t>
             </a:r>
             <a:r>
-              <a:rPr lang="en-US" sz="1900" dirty="0"/>
+              <a:rPr lang="en-US" sz="1900"/>
               <a:t> Software</a:t>
             </a:r>
           </a:p>
           <a:p>
             <a:pPr algn="l"/>
             <a:r>
-              <a:rPr lang="en-US" sz="1900" dirty="0"/>
+              <a:rPr lang="en-US" sz="1900"/>
               <a:t>Team Members: Alexandru </a:t>
             </a:r>
             <a:r>
-              <a:rPr lang="en-US" sz="1900" dirty="0" err="1"/>
+              <a:rPr lang="en-US" sz="1900" err="1"/>
               <a:t>Cioanca</a:t>
             </a:r>
             <a:r>
-              <a:rPr lang="en-US" sz="1900" dirty="0"/>
+              <a:rPr lang="en-US" sz="1900"/>
               <a:t>, Andrew Dutton, Dustin Phan​, Gabriel Molina​, Roberto Carvalho </a:t>
             </a:r>
             <a:r>
-              <a:rPr lang="en-US" sz="1900" dirty="0" err="1"/>
+              <a:rPr lang="en-US" sz="1900" err="1"/>
               <a:t>Brigagao</a:t>
             </a:r>
             <a:r>
-              <a:rPr lang="en-US" sz="1900" dirty="0"/>
+              <a:rPr lang="en-US" sz="1900"/>
               <a:t>, Thuan Nguyen</a:t>
             </a:r>
           </a:p>
           <a:p>
             <a:pPr algn="l"/>
             <a:r>
-              <a:rPr lang="en-US" sz="1900" dirty="0"/>
+              <a:rPr lang="en-US" sz="1900"/>
               <a:t>Date: 2/29/2024</a:t>
             </a:r>
           </a:p>
@@ -3998,39 +3998,39 @@
           <a:p>
             <a:pPr algn="ctr"/>
             <a:r>
-              <a:rPr lang="en-US" sz="2800" b="1" u="sng" dirty="0"/>
+              <a:rPr lang="en-US" sz="2800" b="1" u="sng"/>
               <a:t>Metrics* Table</a:t>
             </a:r>
             <a:br>
-              <a:rPr lang="en-US" sz="1600" b="1" dirty="0"/>
+              <a:rPr lang="en-US" sz="1600" b="1"/>
             </a:br>
             <a:r>
-              <a:rPr lang="en-US" sz="1600" b="1" dirty="0"/>
+              <a:rPr lang="en-US" sz="1600" b="1"/>
               <a:t>*A software metric is a measure of software characteristics that are quantifiable or countable. Software metrics are important for many reasons, including measuring </a:t>
             </a:r>
             <a:r>
-              <a:rPr lang="en-US" sz="1600" b="1" dirty="0">
+              <a:rPr lang="en-US" sz="1600" b="1">
                 <a:hlinkClick r:id="rId2"/>
               </a:rPr>
               <a:t>software performance</a:t>
             </a:r>
             <a:r>
-              <a:rPr lang="en-US" sz="1600" b="1" dirty="0"/>
+              <a:rPr lang="en-US" sz="1600" b="1"/>
               <a:t>, planning work items, measuring productivity, and many other uses.</a:t>
             </a:r>
             <a:br>
-              <a:rPr lang="en-US" sz="1600" b="1" dirty="0"/>
+              <a:rPr lang="en-US" sz="1600" b="1"/>
             </a:br>
             <a:r>
-              <a:rPr lang="en-US" sz="1600" b="1" u="sng" dirty="0"/>
+              <a:rPr lang="en-US" sz="1600" b="1" u="sng"/>
               <a:t>NOTE: Study each Metric’s definition and determine whether is </a:t>
             </a:r>
             <a:r>
-              <a:rPr lang="en-US" sz="1600" b="1" u="sng" dirty="0" err="1"/>
+              <a:rPr lang="en-US" sz="1600" b="1" u="sng" err="1"/>
               <a:t>is</a:t>
             </a:r>
             <a:r>
-              <a:rPr lang="en-US" sz="1600" b="1" u="sng" dirty="0"/>
+              <a:rPr lang="en-US" sz="1600" b="1" u="sng"/>
               <a:t> applicable to your project</a:t>
             </a:r>
           </a:p>
@@ -4144,7 +4144,7 @@
                     <a:bodyPr/>
                     <a:lstStyle/>
                     <a:p>
-                      <a:endParaRPr lang="en-US" dirty="0"/>
+                      <a:endParaRPr lang="en-US"/>
                     </a:p>
                   </a:txBody>
                   <a:tcPr>
@@ -4196,7 +4196,7 @@
                     <a:p>
                       <a:pPr algn="ctr"/>
                       <a:r>
-                        <a:rPr lang="en-US" dirty="0">
+                        <a:rPr lang="en-US">
                           <a:solidFill>
                             <a:schemeClr val="tx1"/>
                           </a:solidFill>
@@ -4254,7 +4254,7 @@
                     <a:p>
                       <a:pPr algn="ctr"/>
                       <a:r>
-                        <a:rPr lang="en-US" dirty="0">
+                        <a:rPr lang="en-US">
                           <a:solidFill>
                             <a:schemeClr val="tx1"/>
                           </a:solidFill>
@@ -4312,7 +4312,7 @@
                     <a:p>
                       <a:pPr algn="ctr"/>
                       <a:r>
-                        <a:rPr lang="en-US" dirty="0">
+                        <a:rPr lang="en-US">
                           <a:solidFill>
                             <a:schemeClr val="tx1"/>
                           </a:solidFill>
@@ -4370,7 +4370,7 @@
                     <a:p>
                       <a:pPr algn="ctr"/>
                       <a:r>
-                        <a:rPr lang="en-US" dirty="0">
+                        <a:rPr lang="en-US">
                           <a:solidFill>
                             <a:schemeClr val="tx1"/>
                           </a:solidFill>
@@ -4428,7 +4428,7 @@
                     <a:p>
                       <a:pPr algn="ctr"/>
                       <a:r>
-                        <a:rPr lang="en-US" dirty="0">
+                        <a:rPr lang="en-US">
                           <a:solidFill>
                             <a:schemeClr val="tx1"/>
                           </a:solidFill>
@@ -4486,7 +4486,7 @@
                     <a:p>
                       <a:pPr algn="ctr"/>
                       <a:r>
-                        <a:rPr lang="en-US" dirty="0">
+                        <a:rPr lang="en-US">
                           <a:solidFill>
                             <a:schemeClr val="tx1"/>
                           </a:solidFill>
@@ -4544,7 +4544,7 @@
                     <a:p>
                       <a:pPr algn="ctr"/>
                       <a:r>
-                        <a:rPr lang="en-US" dirty="0">
+                        <a:rPr lang="en-US">
                           <a:solidFill>
                             <a:schemeClr val="tx1"/>
                           </a:solidFill>
@@ -4602,7 +4602,7 @@
                     <a:p>
                       <a:pPr algn="ctr"/>
                       <a:r>
-                        <a:rPr lang="en-US" dirty="0">
+                        <a:rPr lang="en-US">
                           <a:solidFill>
                             <a:schemeClr val="tx1"/>
                           </a:solidFill>
@@ -4660,7 +4660,7 @@
                     <a:p>
                       <a:pPr algn="ctr"/>
                       <a:r>
-                        <a:rPr lang="en-US" dirty="0">
+                        <a:rPr lang="en-US">
                           <a:solidFill>
                             <a:schemeClr val="tx1"/>
                           </a:solidFill>
@@ -4725,13 +4725,13 @@
                     <a:p>
                       <a:pPr algn="ctr"/>
                       <a:r>
-                        <a:rPr lang="en-US" sz="1700" b="1" dirty="0"/>
+                        <a:rPr lang="en-US" sz="1700" b="1"/>
                         <a:t>CPI</a:t>
                       </a:r>
                     </a:p>
                     <a:p>
                       <a:pPr algn="ctr"/>
-                      <a:endParaRPr lang="en-US" sz="1700" b="1" dirty="0"/>
+                      <a:endParaRPr lang="en-US" sz="1700" b="1"/>
                     </a:p>
                   </a:txBody>
                   <a:tcPr>
@@ -4782,7 +4782,7 @@
                     <a:lstStyle/>
                     <a:p>
                       <a:r>
-                        <a:rPr lang="en-US" dirty="0"/>
+                        <a:rPr lang="en-US"/>
                         <a:t>1</a:t>
                       </a:r>
                     </a:p>
@@ -4833,7 +4833,7 @@
                     <a:lstStyle/>
                     <a:p>
                       <a:r>
-                        <a:rPr lang="en-US" dirty="0"/>
+                        <a:rPr lang="en-US"/>
                         <a:t>1</a:t>
                       </a:r>
                     </a:p>
@@ -4884,7 +4884,7 @@
                     <a:lstStyle/>
                     <a:p>
                       <a:r>
-                        <a:rPr lang="en-US" dirty="0"/>
+                        <a:rPr lang="en-US"/>
                         <a:t>1</a:t>
                       </a:r>
                     </a:p>
@@ -4934,7 +4934,7 @@
                     <a:bodyPr/>
                     <a:lstStyle/>
                     <a:p>
-                      <a:endParaRPr lang="en-US" dirty="0"/>
+                      <a:endParaRPr lang="en-US"/>
                     </a:p>
                   </a:txBody>
                   <a:tcPr>
@@ -5231,14 +5231,14 @@
                     <a:p>
                       <a:pPr algn="ctr"/>
                       <a:r>
-                        <a:rPr lang="en-US" sz="1700" b="1" dirty="0"/>
+                        <a:rPr lang="en-US" sz="1700" b="1"/>
                         <a:t>RCM</a:t>
                       </a:r>
                     </a:p>
                     <a:p>
                       <a:pPr algn="ctr"/>
                       <a:r>
-                        <a:rPr lang="en-US" sz="1200" b="1" dirty="0"/>
+                        <a:rPr lang="en-US" sz="1200" b="1"/>
                         <a:t>(Business Application)</a:t>
                       </a:r>
                     </a:p>
@@ -5291,7 +5291,7 @@
                     <a:lstStyle/>
                     <a:p>
                       <a:r>
-                        <a:rPr lang="en-US" dirty="0"/>
+                        <a:rPr lang="en-US"/>
                         <a:t>10%</a:t>
                       </a:r>
                     </a:p>
@@ -5342,7 +5342,7 @@
                     <a:lstStyle/>
                     <a:p>
                       <a:r>
-                        <a:rPr lang="en-US" dirty="0"/>
+                        <a:rPr lang="en-US"/>
                         <a:t>10%</a:t>
                       </a:r>
                     </a:p>
@@ -5393,57 +5393,9 @@
                     <a:lstStyle/>
                     <a:p>
                       <a:r>
-                        <a:rPr lang="en-US" dirty="0"/>
+                        <a:rPr lang="en-US"/>
                         <a:t>10%</a:t>
                       </a:r>
-                    </a:p>
-                  </a:txBody>
-                  <a:tcPr>
-                    <a:lnL w="12700" cap="flat" cmpd="sng" algn="ctr">
-                      <a:solidFill>
-                        <a:schemeClr val="tx1"/>
-                      </a:solidFill>
-                      <a:prstDash val="solid"/>
-                      <a:round/>
-                      <a:headEnd type="none" w="med" len="med"/>
-                      <a:tailEnd type="none" w="med" len="med"/>
-                    </a:lnL>
-                    <a:lnR w="12700" cap="flat" cmpd="sng" algn="ctr">
-                      <a:solidFill>
-                        <a:schemeClr val="tx1"/>
-                      </a:solidFill>
-                      <a:prstDash val="solid"/>
-                      <a:round/>
-                      <a:headEnd type="none" w="med" len="med"/>
-                      <a:tailEnd type="none" w="med" len="med"/>
-                    </a:lnR>
-                    <a:lnT w="12700" cap="flat" cmpd="sng" algn="ctr">
-                      <a:solidFill>
-                        <a:schemeClr val="tx1"/>
-                      </a:solidFill>
-                      <a:prstDash val="solid"/>
-                      <a:round/>
-                      <a:headEnd type="none" w="med" len="med"/>
-                      <a:tailEnd type="none" w="med" len="med"/>
-                    </a:lnT>
-                    <a:lnB w="12700" cap="flat" cmpd="sng" algn="ctr">
-                      <a:solidFill>
-                        <a:schemeClr val="tx1"/>
-                      </a:solidFill>
-                      <a:prstDash val="solid"/>
-                      <a:round/>
-                      <a:headEnd type="none" w="med" len="med"/>
-                      <a:tailEnd type="none" w="med" len="med"/>
-                    </a:lnB>
-                    <a:noFill/>
-                  </a:tcPr>
-                </a:tc>
-                <a:tc>
-                  <a:txBody>
-                    <a:bodyPr/>
-                    <a:lstStyle/>
-                    <a:p>
-                      <a:endParaRPr lang="en-US" dirty="0"/>
                     </a:p>
                   </a:txBody>
                   <a:tcPr>
@@ -5683,7 +5635,55 @@
                     <a:bodyPr/>
                     <a:lstStyle/>
                     <a:p>
-                      <a:endParaRPr lang="en-US" dirty="0"/>
+                      <a:endParaRPr lang="en-US"/>
+                    </a:p>
+                  </a:txBody>
+                  <a:tcPr>
+                    <a:lnL w="12700" cap="flat" cmpd="sng" algn="ctr">
+                      <a:solidFill>
+                        <a:schemeClr val="tx1"/>
+                      </a:solidFill>
+                      <a:prstDash val="solid"/>
+                      <a:round/>
+                      <a:headEnd type="none" w="med" len="med"/>
+                      <a:tailEnd type="none" w="med" len="med"/>
+                    </a:lnL>
+                    <a:lnR w="12700" cap="flat" cmpd="sng" algn="ctr">
+                      <a:solidFill>
+                        <a:schemeClr val="tx1"/>
+                      </a:solidFill>
+                      <a:prstDash val="solid"/>
+                      <a:round/>
+                      <a:headEnd type="none" w="med" len="med"/>
+                      <a:tailEnd type="none" w="med" len="med"/>
+                    </a:lnR>
+                    <a:lnT w="12700" cap="flat" cmpd="sng" algn="ctr">
+                      <a:solidFill>
+                        <a:schemeClr val="tx1"/>
+                      </a:solidFill>
+                      <a:prstDash val="solid"/>
+                      <a:round/>
+                      <a:headEnd type="none" w="med" len="med"/>
+                      <a:tailEnd type="none" w="med" len="med"/>
+                    </a:lnT>
+                    <a:lnB w="12700" cap="flat" cmpd="sng" algn="ctr">
+                      <a:solidFill>
+                        <a:schemeClr val="tx1"/>
+                      </a:solidFill>
+                      <a:prstDash val="solid"/>
+                      <a:round/>
+                      <a:headEnd type="none" w="med" len="med"/>
+                      <a:tailEnd type="none" w="med" len="med"/>
+                    </a:lnB>
+                    <a:noFill/>
+                  </a:tcPr>
+                </a:tc>
+                <a:tc>
+                  <a:txBody>
+                    <a:bodyPr/>
+                    <a:lstStyle/>
+                    <a:p>
+                      <a:endParaRPr lang="en-US"/>
                     </a:p>
                   </a:txBody>
                   <a:tcPr>
@@ -5740,7 +5740,7 @@
                     <a:p>
                       <a:pPr algn="ctr"/>
                       <a:r>
-                        <a:rPr lang="en-US" sz="1700" b="1" dirty="0"/>
+                        <a:rPr lang="en-US" sz="1700" b="1"/>
                         <a:t>Error Density</a:t>
                       </a:r>
                     </a:p>
@@ -5793,12 +5793,12 @@
                     <a:lstStyle/>
                     <a:p>
                       <a:r>
-                        <a:rPr lang="en-US" dirty="0"/>
+                        <a:rPr lang="en-US"/>
                         <a:t>N/A</a:t>
                       </a:r>
                     </a:p>
                     <a:p>
-                      <a:endParaRPr lang="en-US" dirty="0"/>
+                      <a:endParaRPr lang="en-US"/>
                     </a:p>
                   </a:txBody>
                   <a:tcPr>
@@ -5847,12 +5847,12 @@
                     <a:lstStyle/>
                     <a:p>
                       <a:r>
-                        <a:rPr lang="en-US" dirty="0"/>
+                        <a:rPr lang="en-US"/>
                         <a:t>N/A</a:t>
                       </a:r>
                     </a:p>
                     <a:p>
-                      <a:endParaRPr lang="en-US" dirty="0"/>
+                      <a:endParaRPr lang="en-US"/>
                     </a:p>
                   </a:txBody>
                   <a:tcPr>
@@ -5901,12 +5901,12 @@
                     <a:lstStyle/>
                     <a:p>
                       <a:r>
-                        <a:rPr lang="en-US" dirty="0"/>
+                        <a:rPr lang="en-US"/>
                         <a:t>N/A</a:t>
                       </a:r>
                     </a:p>
                     <a:p>
-                      <a:endParaRPr lang="en-US" dirty="0"/>
+                      <a:endParaRPr lang="en-US"/>
                     </a:p>
                   </a:txBody>
                   <a:tcPr>
@@ -5954,7 +5954,7 @@
                     <a:bodyPr/>
                     <a:lstStyle/>
                     <a:p>
-                      <a:endParaRPr lang="en-US" dirty="0"/>
+                      <a:endParaRPr lang="en-US"/>
                     </a:p>
                   </a:txBody>
                   <a:tcPr>
@@ -6251,7 +6251,7 @@
                     <a:p>
                       <a:pPr algn="ctr"/>
                       <a:r>
-                        <a:rPr lang="en-US" sz="1700" b="1" dirty="0"/>
+                        <a:rPr lang="en-US" sz="1700" b="1"/>
                         <a:t>MTTF</a:t>
                       </a:r>
                     </a:p>
@@ -6304,12 +6304,12 @@
                     <a:lstStyle/>
                     <a:p>
                       <a:r>
-                        <a:rPr lang="en-US" dirty="0"/>
+                        <a:rPr lang="en-US"/>
                         <a:t>N/A</a:t>
                       </a:r>
                     </a:p>
                     <a:p>
-                      <a:endParaRPr lang="en-US" dirty="0"/>
+                      <a:endParaRPr lang="en-US"/>
                     </a:p>
                   </a:txBody>
                   <a:tcPr>
@@ -6358,12 +6358,12 @@
                     <a:lstStyle/>
                     <a:p>
                       <a:r>
-                        <a:rPr lang="en-US" dirty="0"/>
+                        <a:rPr lang="en-US"/>
                         <a:t>N/A</a:t>
                       </a:r>
                     </a:p>
                     <a:p>
-                      <a:endParaRPr lang="en-US" dirty="0"/>
+                      <a:endParaRPr lang="en-US"/>
                     </a:p>
                   </a:txBody>
                   <a:tcPr>
@@ -6412,12 +6412,12 @@
                     <a:lstStyle/>
                     <a:p>
                       <a:r>
-                        <a:rPr lang="en-US" dirty="0"/>
+                        <a:rPr lang="en-US"/>
                         <a:t>N/A</a:t>
                       </a:r>
                     </a:p>
                     <a:p>
-                      <a:endParaRPr lang="en-US" dirty="0"/>
+                      <a:endParaRPr lang="en-US"/>
                     </a:p>
                   </a:txBody>
                   <a:tcPr>
@@ -6762,7 +6762,7 @@
                     <a:p>
                       <a:pPr algn="ctr"/>
                       <a:r>
-                        <a:rPr lang="en-US" sz="1700" b="1" dirty="0"/>
+                        <a:rPr lang="en-US" sz="1700" b="1"/>
                         <a:t>MTTR</a:t>
                       </a:r>
                     </a:p>
@@ -6815,7 +6815,7 @@
                     <a:lstStyle/>
                     <a:p>
                       <a:r>
-                        <a:rPr lang="en-US" dirty="0"/>
+                        <a:rPr lang="en-US"/>
                         <a:t>N/A</a:t>
                       </a:r>
                     </a:p>
@@ -6866,7 +6866,7 @@
                     <a:lstStyle/>
                     <a:p>
                       <a:r>
-                        <a:rPr lang="en-US" dirty="0"/>
+                        <a:rPr lang="en-US"/>
                         <a:t>N/A</a:t>
                       </a:r>
                     </a:p>
@@ -6917,12 +6917,12 @@
                     <a:lstStyle/>
                     <a:p>
                       <a:r>
-                        <a:rPr lang="en-US" dirty="0"/>
+                        <a:rPr lang="en-US"/>
                         <a:t>N/A</a:t>
                       </a:r>
                     </a:p>
                     <a:p>
-                      <a:endParaRPr lang="en-US" dirty="0"/>
+                      <a:endParaRPr lang="en-US"/>
                     </a:p>
                   </a:txBody>
                   <a:tcPr>
@@ -7267,7 +7267,7 @@
                     <a:p>
                       <a:pPr algn="ctr"/>
                       <a:r>
-                        <a:rPr lang="en-US" sz="1700" b="1" dirty="0"/>
+                        <a:rPr lang="en-US" sz="1700" b="1"/>
                         <a:t>AVAIL.</a:t>
                       </a:r>
                     </a:p>
@@ -7320,7 +7320,7 @@
                     <a:lstStyle/>
                     <a:p>
                       <a:r>
-                        <a:rPr lang="en-US" dirty="0"/>
+                        <a:rPr lang="en-US"/>
                         <a:t>N/A</a:t>
                       </a:r>
                     </a:p>
@@ -7371,7 +7371,7 @@
                     <a:lstStyle/>
                     <a:p>
                       <a:r>
-                        <a:rPr lang="en-US" dirty="0"/>
+                        <a:rPr lang="en-US"/>
                         <a:t>N/A</a:t>
                       </a:r>
                     </a:p>
@@ -7422,57 +7422,9 @@
                     <a:lstStyle/>
                     <a:p>
                       <a:r>
-                        <a:rPr lang="en-US" dirty="0"/>
+                        <a:rPr lang="en-US"/>
                         <a:t>N/A</a:t>
                       </a:r>
-                    </a:p>
-                  </a:txBody>
-                  <a:tcPr>
-                    <a:lnL w="12700" cap="flat" cmpd="sng" algn="ctr">
-                      <a:solidFill>
-                        <a:schemeClr val="tx1"/>
-                      </a:solidFill>
-                      <a:prstDash val="solid"/>
-                      <a:round/>
-                      <a:headEnd type="none" w="med" len="med"/>
-                      <a:tailEnd type="none" w="med" len="med"/>
-                    </a:lnL>
-                    <a:lnR w="12700" cap="flat" cmpd="sng" algn="ctr">
-                      <a:solidFill>
-                        <a:schemeClr val="tx1"/>
-                      </a:solidFill>
-                      <a:prstDash val="solid"/>
-                      <a:round/>
-                      <a:headEnd type="none" w="med" len="med"/>
-                      <a:tailEnd type="none" w="med" len="med"/>
-                    </a:lnR>
-                    <a:lnT w="12700" cap="flat" cmpd="sng" algn="ctr">
-                      <a:solidFill>
-                        <a:schemeClr val="tx1"/>
-                      </a:solidFill>
-                      <a:prstDash val="solid"/>
-                      <a:round/>
-                      <a:headEnd type="none" w="med" len="med"/>
-                      <a:tailEnd type="none" w="med" len="med"/>
-                    </a:lnT>
-                    <a:lnB w="12700" cap="flat" cmpd="sng" algn="ctr">
-                      <a:solidFill>
-                        <a:schemeClr val="tx1"/>
-                      </a:solidFill>
-                      <a:prstDash val="solid"/>
-                      <a:round/>
-                      <a:headEnd type="none" w="med" len="med"/>
-                      <a:tailEnd type="none" w="med" len="med"/>
-                    </a:lnB>
-                    <a:noFill/>
-                  </a:tcPr>
-                </a:tc>
-                <a:tc>
-                  <a:txBody>
-                    <a:bodyPr/>
-                    <a:lstStyle/>
-                    <a:p>
-                      <a:endParaRPr lang="en-US" dirty="0"/>
                     </a:p>
                   </a:txBody>
                   <a:tcPr>
@@ -7712,7 +7664,55 @@
                     <a:bodyPr/>
                     <a:lstStyle/>
                     <a:p>
-                      <a:endParaRPr lang="en-US" dirty="0"/>
+                      <a:endParaRPr lang="en-US"/>
+                    </a:p>
+                  </a:txBody>
+                  <a:tcPr>
+                    <a:lnL w="12700" cap="flat" cmpd="sng" algn="ctr">
+                      <a:solidFill>
+                        <a:schemeClr val="tx1"/>
+                      </a:solidFill>
+                      <a:prstDash val="solid"/>
+                      <a:round/>
+                      <a:headEnd type="none" w="med" len="med"/>
+                      <a:tailEnd type="none" w="med" len="med"/>
+                    </a:lnL>
+                    <a:lnR w="12700" cap="flat" cmpd="sng" algn="ctr">
+                      <a:solidFill>
+                        <a:schemeClr val="tx1"/>
+                      </a:solidFill>
+                      <a:prstDash val="solid"/>
+                      <a:round/>
+                      <a:headEnd type="none" w="med" len="med"/>
+                      <a:tailEnd type="none" w="med" len="med"/>
+                    </a:lnR>
+                    <a:lnT w="12700" cap="flat" cmpd="sng" algn="ctr">
+                      <a:solidFill>
+                        <a:schemeClr val="tx1"/>
+                      </a:solidFill>
+                      <a:prstDash val="solid"/>
+                      <a:round/>
+                      <a:headEnd type="none" w="med" len="med"/>
+                      <a:tailEnd type="none" w="med" len="med"/>
+                    </a:lnT>
+                    <a:lnB w="12700" cap="flat" cmpd="sng" algn="ctr">
+                      <a:solidFill>
+                        <a:schemeClr val="tx1"/>
+                      </a:solidFill>
+                      <a:prstDash val="solid"/>
+                      <a:round/>
+                      <a:headEnd type="none" w="med" len="med"/>
+                      <a:tailEnd type="none" w="med" len="med"/>
+                    </a:lnB>
+                    <a:noFill/>
+                  </a:tcPr>
+                </a:tc>
+                <a:tc>
+                  <a:txBody>
+                    <a:bodyPr/>
+                    <a:lstStyle/>
+                    <a:p>
+                      <a:endParaRPr lang="en-US"/>
                     </a:p>
                   </a:txBody>
                   <a:tcPr>
@@ -7769,7 +7769,7 @@
                     <a:p>
                       <a:pPr algn="ctr"/>
                       <a:r>
-                        <a:rPr lang="en-US" sz="1700" b="1" dirty="0"/>
+                        <a:rPr lang="en-US" sz="1700" b="1"/>
                         <a:t>SMI</a:t>
                       </a:r>
                     </a:p>
@@ -7822,7 +7822,7 @@
                     <a:lstStyle/>
                     <a:p>
                       <a:r>
-                        <a:rPr lang="en-US" dirty="0"/>
+                        <a:rPr lang="en-US"/>
                         <a:t>0%</a:t>
                       </a:r>
                     </a:p>
@@ -7873,7 +7873,7 @@
                     <a:lstStyle/>
                     <a:p>
                       <a:r>
-                        <a:rPr lang="en-US" dirty="0"/>
+                        <a:rPr lang="en-US"/>
                         <a:t>0%</a:t>
                       </a:r>
                     </a:p>
@@ -7924,57 +7924,9 @@
                     <a:lstStyle/>
                     <a:p>
                       <a:r>
-                        <a:rPr lang="en-US" dirty="0"/>
+                        <a:rPr lang="en-US"/>
                         <a:t>5%</a:t>
                       </a:r>
-                    </a:p>
-                  </a:txBody>
-                  <a:tcPr>
-                    <a:lnL w="12700" cap="flat" cmpd="sng" algn="ctr">
-                      <a:solidFill>
-                        <a:schemeClr val="tx1"/>
-                      </a:solidFill>
-                      <a:prstDash val="solid"/>
-                      <a:round/>
-                      <a:headEnd type="none" w="med" len="med"/>
-                      <a:tailEnd type="none" w="med" len="med"/>
-                    </a:lnL>
-                    <a:lnR w="12700" cap="flat" cmpd="sng" algn="ctr">
-                      <a:solidFill>
-                        <a:schemeClr val="tx1"/>
-                      </a:solidFill>
-                      <a:prstDash val="solid"/>
-                      <a:round/>
-                      <a:headEnd type="none" w="med" len="med"/>
-                      <a:tailEnd type="none" w="med" len="med"/>
-                    </a:lnR>
-                    <a:lnT w="12700" cap="flat" cmpd="sng" algn="ctr">
-                      <a:solidFill>
-                        <a:schemeClr val="tx1"/>
-                      </a:solidFill>
-                      <a:prstDash val="solid"/>
-                      <a:round/>
-                      <a:headEnd type="none" w="med" len="med"/>
-                      <a:tailEnd type="none" w="med" len="med"/>
-                    </a:lnT>
-                    <a:lnB w="12700" cap="flat" cmpd="sng" algn="ctr">
-                      <a:solidFill>
-                        <a:schemeClr val="tx1"/>
-                      </a:solidFill>
-                      <a:prstDash val="solid"/>
-                      <a:round/>
-                      <a:headEnd type="none" w="med" len="med"/>
-                      <a:tailEnd type="none" w="med" len="med"/>
-                    </a:lnB>
-                    <a:noFill/>
-                  </a:tcPr>
-                </a:tc>
-                <a:tc>
-                  <a:txBody>
-                    <a:bodyPr/>
-                    <a:lstStyle/>
-                    <a:p>
-                      <a:endParaRPr lang="en-US" dirty="0"/>
                     </a:p>
                   </a:txBody>
                   <a:tcPr>
@@ -8214,7 +8166,55 @@
                     <a:bodyPr/>
                     <a:lstStyle/>
                     <a:p>
-                      <a:endParaRPr lang="en-US" dirty="0"/>
+                      <a:endParaRPr lang="en-US"/>
+                    </a:p>
+                  </a:txBody>
+                  <a:tcPr>
+                    <a:lnL w="12700" cap="flat" cmpd="sng" algn="ctr">
+                      <a:solidFill>
+                        <a:schemeClr val="tx1"/>
+                      </a:solidFill>
+                      <a:prstDash val="solid"/>
+                      <a:round/>
+                      <a:headEnd type="none" w="med" len="med"/>
+                      <a:tailEnd type="none" w="med" len="med"/>
+                    </a:lnL>
+                    <a:lnR w="12700" cap="flat" cmpd="sng" algn="ctr">
+                      <a:solidFill>
+                        <a:schemeClr val="tx1"/>
+                      </a:solidFill>
+                      <a:prstDash val="solid"/>
+                      <a:round/>
+                      <a:headEnd type="none" w="med" len="med"/>
+                      <a:tailEnd type="none" w="med" len="med"/>
+                    </a:lnR>
+                    <a:lnT w="12700" cap="flat" cmpd="sng" algn="ctr">
+                      <a:solidFill>
+                        <a:schemeClr val="tx1"/>
+                      </a:solidFill>
+                      <a:prstDash val="solid"/>
+                      <a:round/>
+                      <a:headEnd type="none" w="med" len="med"/>
+                      <a:tailEnd type="none" w="med" len="med"/>
+                    </a:lnT>
+                    <a:lnB w="12700" cap="flat" cmpd="sng" algn="ctr">
+                      <a:solidFill>
+                        <a:schemeClr val="tx1"/>
+                      </a:solidFill>
+                      <a:prstDash val="solid"/>
+                      <a:round/>
+                      <a:headEnd type="none" w="med" len="med"/>
+                      <a:tailEnd type="none" w="med" len="med"/>
+                    </a:lnB>
+                    <a:noFill/>
+                  </a:tcPr>
+                </a:tc>
+                <a:tc>
+                  <a:txBody>
+                    <a:bodyPr/>
+                    <a:lstStyle/>
+                    <a:p>
+                      <a:endParaRPr lang="en-US"/>
                     </a:p>
                   </a:txBody>
                   <a:tcPr>
@@ -8320,7 +8320,7 @@
           <a:p>
             <a:pPr algn="ctr"/>
             <a:r>
-              <a:rPr lang="en-US" dirty="0"/>
+              <a:rPr lang="en-US"/>
               <a:t>Integrated Schedule (1 or 2 Slides) </a:t>
             </a:r>
           </a:p>
@@ -8354,6 +8354,53 @@
           <a:prstGeom prst="rect">
             <a:avLst/>
           </a:prstGeom>
+        </p:spPr>
+      </p:pic>
+      <p:pic>
+        <p:nvPicPr>
+          <p:cNvPr id="1026" name="Picture 2">
+            <a:extLst>
+              <a:ext uri="{FF2B5EF4-FFF2-40B4-BE49-F238E27FC236}">
+                <a16:creationId xmlns:a16="http://schemas.microsoft.com/office/drawing/2014/main" id="{2A1779AB-E6A0-89F4-4C8B-8C99461B9422}"/>
+              </a:ext>
+            </a:extLst>
+          </p:cNvPr>
+          <p:cNvPicPr>
+            <a:picLocks noChangeAspect="1" noChangeArrowheads="1"/>
+          </p:cNvPicPr>
+          <p:nvPr/>
+        </p:nvPicPr>
+        <p:blipFill>
+          <a:blip r:embed="rId3">
+            <a:extLst>
+              <a:ext uri="{28A0092B-C50C-407E-A947-70E740481C1C}">
+                <a14:useLocalDpi xmlns:a14="http://schemas.microsoft.com/office/drawing/2010/main" val="0"/>
+              </a:ext>
+            </a:extLst>
+          </a:blip>
+          <a:srcRect/>
+          <a:stretch>
+            <a:fillRect/>
+          </a:stretch>
+        </p:blipFill>
+        <p:spPr bwMode="auto">
+          <a:xfrm>
+            <a:off x="0" y="1441450"/>
+            <a:ext cx="12192000" cy="3975100"/>
+          </a:xfrm>
+          <a:prstGeom prst="rect">
+            <a:avLst/>
+          </a:prstGeom>
+          <a:noFill/>
+          <a:extLst>
+            <a:ext uri="{909E8E84-426E-40DD-AFC4-6F175D3DCCD1}">
+              <a14:hiddenFill xmlns:a14="http://schemas.microsoft.com/office/drawing/2010/main">
+                <a:solidFill>
+                  <a:srgbClr val="FFFFFF"/>
+                </a:solidFill>
+              </a14:hiddenFill>
+            </a:ext>
+          </a:extLst>
         </p:spPr>
       </p:pic>
     </p:spTree>
@@ -8413,14 +8460,9 @@
           <a:lstStyle/>
           <a:p>
             <a:r>
-              <a:rPr lang="en-US" dirty="0"/>
-              <a:t>Overall Requirements Table</a:t>
-            </a:r>
-            <a:r>
               <a:rPr lang="en-US"/>
-              <a:t> (Work in Progress)</a:t>
-            </a:r>
-            <a:endParaRPr lang="en-US" dirty="0"/>
+              <a:t>Overall Requirements Table (Work in Progress)</a:t>
+            </a:r>
           </a:p>
         </p:txBody>
       </p:sp>
@@ -8447,7 +8489,7 @@
         <p:spPr>
           <a:xfrm>
             <a:off x="389467" y="1547276"/>
-            <a:ext cx="5707811" cy="4558339"/>
+            <a:ext cx="5707811" cy="4486453"/>
           </a:xfrm>
           <a:prstGeom prst="rect">
             <a:avLst/>
@@ -8537,7 +8579,7 @@
           <a:p>
             <a:pPr algn="ctr"/>
             <a:r>
-              <a:rPr lang="en-US" dirty="0"/>
+              <a:rPr lang="en-US"/>
               <a:t>Gantt Chart 2/29/24</a:t>
             </a:r>
           </a:p>
@@ -8630,7 +8672,7 @@
           <a:lstStyle/>
           <a:p>
             <a:r>
-              <a:rPr lang="en-US" dirty="0"/>
+              <a:rPr lang="en-US"/>
               <a:t>What Everyone is Working on - week 2/29/2024</a:t>
             </a:r>
           </a:p>
@@ -8666,19 +8708,19 @@
           <a:p>
             <a:pPr algn="l"/>
             <a:r>
-              <a:rPr lang="en-US" sz="2800" dirty="0"/>
+              <a:rPr lang="en-US" sz="2800"/>
               <a:t>Alexandru </a:t>
             </a:r>
             <a:r>
-              <a:rPr lang="en-US" sz="2800" dirty="0" err="1"/>
+              <a:rPr lang="en-US" sz="2800" err="1"/>
               <a:t>Cioanca</a:t>
             </a:r>
-            <a:endParaRPr lang="en-US" sz="2800" dirty="0"/>
+            <a:endParaRPr lang="en-US" sz="2800"/>
           </a:p>
           <a:p>
             <a:pPr lvl="1"/>
             <a:r>
-              <a:rPr lang="en-US" dirty="0">
+              <a:rPr lang="en-US">
                 <a:ea typeface="Calibri"/>
                 <a:cs typeface="Calibri"/>
               </a:rPr>
@@ -8688,10 +8730,10 @@
           <a:p>
             <a:pPr algn="l"/>
             <a:r>
-              <a:rPr lang="en-US" sz="2800" dirty="0"/>
+              <a:rPr lang="en-US" sz="2800"/>
               <a:t>Andrew Dutton</a:t>
             </a:r>
-            <a:endParaRPr lang="en-US" sz="2800" dirty="0">
+            <a:endParaRPr lang="en-US" sz="2800">
               <a:ea typeface="Calibri"/>
               <a:cs typeface="Calibri"/>
             </a:endParaRPr>
@@ -8699,10 +8741,10 @@
           <a:p>
             <a:pPr lvl="1"/>
             <a:r>
-              <a:rPr lang="en-US" dirty="0"/>
+              <a:rPr lang="en-US"/>
               <a:t>Working on updating Gantt Chart</a:t>
             </a:r>
-            <a:endParaRPr lang="en-US" dirty="0">
+            <a:endParaRPr lang="en-US">
               <a:ea typeface="Calibri"/>
               <a:cs typeface="Calibri"/>
             </a:endParaRPr>
@@ -8710,7 +8752,7 @@
           <a:p>
             <a:pPr lvl="1"/>
             <a:r>
-              <a:rPr lang="en-US" dirty="0">
+              <a:rPr lang="en-US">
                 <a:ea typeface="Calibri"/>
                 <a:cs typeface="Calibri"/>
               </a:rPr>
@@ -8720,10 +8762,10 @@
           <a:p>
             <a:pPr algn="l"/>
             <a:r>
-              <a:rPr lang="en-US" sz="2800" dirty="0"/>
+              <a:rPr lang="en-US" sz="2800"/>
               <a:t>Dustin Phan​</a:t>
             </a:r>
-            <a:endParaRPr lang="en-US" sz="2800" dirty="0">
+            <a:endParaRPr lang="en-US" sz="2800">
               <a:ea typeface="Calibri"/>
               <a:cs typeface="Calibri"/>
             </a:endParaRPr>
@@ -8731,7 +8773,7 @@
           <a:p>
             <a:pPr lvl="1"/>
             <a:r>
-              <a:rPr lang="en-US" dirty="0">
+              <a:rPr lang="en-US">
                 <a:ea typeface="Calibri"/>
                 <a:cs typeface="Calibri"/>
               </a:rPr>
@@ -8933,41 +8975,41 @@
           </a:lstStyle>
           <a:p>
             <a:r>
-              <a:rPr lang="en-US" dirty="0"/>
+              <a:rPr lang="en-US"/>
               <a:t>Gabriel Molina​</a:t>
             </a:r>
           </a:p>
           <a:p>
             <a:pPr lvl="1"/>
             <a:r>
-              <a:rPr lang="en-US" dirty="0"/>
+              <a:rPr lang="en-US"/>
               <a:t>Fleshing out requirements</a:t>
             </a:r>
           </a:p>
           <a:p>
             <a:r>
-              <a:rPr lang="en-US" dirty="0"/>
+              <a:rPr lang="en-US"/>
               <a:t>Roberto Carvalho </a:t>
             </a:r>
             <a:r>
-              <a:rPr lang="en-US" dirty="0" err="1"/>
+              <a:rPr lang="en-US" err="1"/>
               <a:t>Brigagao</a:t>
             </a:r>
-            <a:endParaRPr lang="en-US" dirty="0"/>
+            <a:endParaRPr lang="en-US"/>
           </a:p>
           <a:p>
             <a:pPr lvl="1"/>
             <a:r>
-              <a:rPr lang="en-US" dirty="0"/>
+              <a:rPr lang="en-US"/>
               <a:t>Working on User Stories</a:t>
             </a:r>
           </a:p>
           <a:p>
             <a:r>
-              <a:rPr lang="en-US" dirty="0"/>
+              <a:rPr lang="en-US"/>
               <a:t>Thuan Nguyen</a:t>
             </a:r>
-            <a:endParaRPr lang="en-US" dirty="0">
+            <a:endParaRPr lang="en-US">
               <a:ea typeface="Calibri" panose="020F0502020204030204"/>
               <a:cs typeface="Calibri" panose="020F0502020204030204"/>
             </a:endParaRPr>
@@ -8975,11 +9017,21 @@
           <a:p>
             <a:pPr lvl="1"/>
             <a:r>
-              <a:rPr lang="en-US" dirty="0">
+              <a:rPr lang="en-US">
                 <a:ea typeface="Calibri" panose="020F0502020204030204"/>
                 <a:cs typeface="Calibri" panose="020F0502020204030204"/>
               </a:rPr>
               <a:t>Requirements Management</a:t>
+            </a:r>
+          </a:p>
+          <a:p>
+            <a:pPr lvl="1"/>
+            <a:r>
+              <a:rPr lang="en-US">
+                <a:ea typeface="Calibri" panose="020F0502020204030204"/>
+                <a:cs typeface="Calibri" panose="020F0502020204030204"/>
+              </a:rPr>
+              <a:t>Storyboards</a:t>
             </a:r>
           </a:p>
         </p:txBody>
@@ -9293,15 +9345,6 @@
 </file>
 
 <file path=customXml/item1.xml><?xml version="1.0" encoding="utf-8"?>
-<?mso-contentType ?>
-<FormTemplates xmlns="http://schemas.microsoft.com/sharepoint/v3/contenttype/forms">
-  <Display>DocumentLibraryForm</Display>
-  <Edit>DocumentLibraryForm</Edit>
-  <New>DocumentLibraryForm</New>
-</FormTemplates>
-</file>
-
-<file path=customXml/item2.xml><?xml version="1.0" encoding="utf-8"?>
 <ct:contentTypeSchema xmlns:ct="http://schemas.microsoft.com/office/2006/metadata/contentType" xmlns:ma="http://schemas.microsoft.com/office/2006/metadata/properties/metaAttributes" ct:_="" ma:_="" ma:contentTypeName="Document" ma:contentTypeID="0x010100981F154757184F43BA52CE86881EA819" ma:contentTypeVersion="13" ma:contentTypeDescription="Create a new document." ma:contentTypeScope="" ma:versionID="9d94a645f2130c5e16bede891e571fd0">
   <xsd:schema xmlns:xsd="http://www.w3.org/2001/XMLSchema" xmlns:xs="http://www.w3.org/2001/XMLSchema" xmlns:p="http://schemas.microsoft.com/office/2006/metadata/properties" xmlns:ns3="c5bce405-8758-4dc6-98d6-2b6a48b3b830" xmlns:ns4="563757dc-21ec-4026-8860-76aaf78db67e" targetNamespace="http://schemas.microsoft.com/office/2006/metadata/properties" ma:root="true" ma:fieldsID="41097a85dece5d34c086c9f38bf20c6a" ns3:_="" ns4:_="">
     <xsd:import namespace="c5bce405-8758-4dc6-98d6-2b6a48b3b830"/>
@@ -9522,6 +9565,15 @@
 </ct:contentTypeSchema>
 </file>
 
+<file path=customXml/item2.xml><?xml version="1.0" encoding="utf-8"?>
+<?mso-contentType ?>
+<FormTemplates xmlns="http://schemas.microsoft.com/sharepoint/v3/contenttype/forms">
+  <Display>DocumentLibraryForm</Display>
+  <Edit>DocumentLibraryForm</Edit>
+  <New>DocumentLibraryForm</New>
+</FormTemplates>
+</file>
+
 <file path=customXml/item3.xml><?xml version="1.0" encoding="utf-8"?>
 <p:properties xmlns:p="http://schemas.microsoft.com/office/2006/metadata/properties" xmlns:xsi="http://www.w3.org/2001/XMLSchema-instance" xmlns:pc="http://schemas.microsoft.com/office/infopath/2007/PartnerControls">
   <documentManagement>
@@ -9531,14 +9583,6 @@
 </file>
 
 <file path=customXml/itemProps1.xml><?xml version="1.0" encoding="utf-8"?>
-<ds:datastoreItem xmlns:ds="http://schemas.openxmlformats.org/officeDocument/2006/customXml" ds:itemID="{C6D23F1C-79AE-4417-9870-AAF9B903A922}">
-  <ds:schemaRefs>
-    <ds:schemaRef ds:uri="http://schemas.microsoft.com/sharepoint/v3/contenttype/forms"/>
-  </ds:schemaRefs>
-</ds:datastoreItem>
-</file>
-
-<file path=customXml/itemProps2.xml><?xml version="1.0" encoding="utf-8"?>
 <ds:datastoreItem xmlns:ds="http://schemas.openxmlformats.org/officeDocument/2006/customXml" ds:itemID="{6029E169-740B-447F-B633-86E4644B050E}">
   <ds:schemaRefs>
     <ds:schemaRef ds:uri="563757dc-21ec-4026-8860-76aaf78db67e"/>
@@ -9557,19 +9601,27 @@
 </ds:datastoreItem>
 </file>
 
+<file path=customXml/itemProps2.xml><?xml version="1.0" encoding="utf-8"?>
+<ds:datastoreItem xmlns:ds="http://schemas.openxmlformats.org/officeDocument/2006/customXml" ds:itemID="{C6D23F1C-79AE-4417-9870-AAF9B903A922}">
+  <ds:schemaRefs>
+    <ds:schemaRef ds:uri="http://schemas.microsoft.com/sharepoint/v3/contenttype/forms"/>
+  </ds:schemaRefs>
+</ds:datastoreItem>
+</file>
+
 <file path=customXml/itemProps3.xml><?xml version="1.0" encoding="utf-8"?>
 <ds:datastoreItem xmlns:ds="http://schemas.openxmlformats.org/officeDocument/2006/customXml" ds:itemID="{68879C50-9B21-4BFE-84EA-33BC1F2B4179}">
   <ds:schemaRefs>
-    <ds:schemaRef ds:uri="http://schemas.openxmlformats.org/package/2006/metadata/core-properties"/>
+    <ds:schemaRef ds:uri="563757dc-21ec-4026-8860-76aaf78db67e"/>
+    <ds:schemaRef ds:uri="c5bce405-8758-4dc6-98d6-2b6a48b3b830"/>
+    <ds:schemaRef ds:uri="http://purl.org/dc/dcmitype/"/>
     <ds:schemaRef ds:uri="http://purl.org/dc/elements/1.1/"/>
-    <ds:schemaRef ds:uri="http://purl.org/dc/dcmitype/"/>
+    <ds:schemaRef ds:uri="http://purl.org/dc/terms/"/>
     <ds:schemaRef ds:uri="http://schemas.microsoft.com/office/2006/documentManagement/types"/>
     <ds:schemaRef ds:uri="http://schemas.microsoft.com/office/2006/metadata/properties"/>
-    <ds:schemaRef ds:uri="563757dc-21ec-4026-8860-76aaf78db67e"/>
-    <ds:schemaRef ds:uri="c5bce405-8758-4dc6-98d6-2b6a48b3b830"/>
     <ds:schemaRef ds:uri="http://schemas.microsoft.com/office/infopath/2007/PartnerControls"/>
+    <ds:schemaRef ds:uri="http://schemas.openxmlformats.org/package/2006/metadata/core-properties"/>
     <ds:schemaRef ds:uri="http://www.w3.org/XML/1998/namespace"/>
-    <ds:schemaRef ds:uri="http://purl.org/dc/terms/"/>
   </ds:schemaRefs>
 </ds:datastoreItem>
 </file>